--- a/p-vs-h-refinement.pptx
+++ b/p-vs-h-refinement.pptx
@@ -112,6 +112,59 @@
 </p:presentation>
 </file>
 
+<file path=ppt/changesInfos/changesInfo1.xml><?xml version="1.0" encoding="utf-8"?>
+<pc:chgInfo xmlns:a="http://schemas.openxmlformats.org/drawingml/2006/main" xmlns:r="http://schemas.openxmlformats.org/officeDocument/2006/relationships" xmlns:ac="http://schemas.microsoft.com/office/drawing/2013/main/command" xmlns:pc="http://schemas.microsoft.com/office/powerpoint/2013/main/command">
+  <pc:docChgLst>
+    <pc:chgData name="Abdala, Laryssa" userId="69fe5191-6b31-47b2-bae9-38956573bebf" providerId="ADAL" clId="{A8F4ACD2-EC1D-4A6B-958F-7DA25D844D17}"/>
+    <pc:docChg chg="modSld">
+      <pc:chgData name="Abdala, Laryssa" userId="69fe5191-6b31-47b2-bae9-38956573bebf" providerId="ADAL" clId="{A8F4ACD2-EC1D-4A6B-958F-7DA25D844D17}" dt="2023-11-13T03:56:21.933" v="24" actId="14100"/>
+      <pc:docMkLst>
+        <pc:docMk/>
+      </pc:docMkLst>
+      <pc:sldChg chg="modSp mod">
+        <pc:chgData name="Abdala, Laryssa" userId="69fe5191-6b31-47b2-bae9-38956573bebf" providerId="ADAL" clId="{A8F4ACD2-EC1D-4A6B-958F-7DA25D844D17}" dt="2023-11-13T03:56:21.933" v="24" actId="14100"/>
+        <pc:sldMkLst>
+          <pc:docMk/>
+          <pc:sldMk cId="1361800265" sldId="256"/>
+        </pc:sldMkLst>
+        <pc:spChg chg="mod">
+          <ac:chgData name="Abdala, Laryssa" userId="69fe5191-6b31-47b2-bae9-38956573bebf" providerId="ADAL" clId="{A8F4ACD2-EC1D-4A6B-958F-7DA25D844D17}" dt="2023-11-13T03:52:37.825" v="21" actId="20577"/>
+          <ac:spMkLst>
+            <pc:docMk/>
+            <pc:sldMk cId="1361800265" sldId="256"/>
+            <ac:spMk id="4" creationId="{F30BE46D-6BF8-5CE0-6DBE-2137551049BF}"/>
+          </ac:spMkLst>
+        </pc:spChg>
+        <pc:spChg chg="mod">
+          <ac:chgData name="Abdala, Laryssa" userId="69fe5191-6b31-47b2-bae9-38956573bebf" providerId="ADAL" clId="{A8F4ACD2-EC1D-4A6B-958F-7DA25D844D17}" dt="2023-11-13T03:52:32.125" v="10" actId="20577"/>
+          <ac:spMkLst>
+            <pc:docMk/>
+            <pc:sldMk cId="1361800265" sldId="256"/>
+            <ac:spMk id="5" creationId="{8A698A6D-DEAF-777D-D9F6-27DBD482B6D2}"/>
+          </ac:spMkLst>
+        </pc:spChg>
+        <pc:grpChg chg="mod">
+          <ac:chgData name="Abdala, Laryssa" userId="69fe5191-6b31-47b2-bae9-38956573bebf" providerId="ADAL" clId="{A8F4ACD2-EC1D-4A6B-958F-7DA25D844D17}" dt="2023-11-13T03:52:21.951" v="1" actId="1076"/>
+          <ac:grpSpMkLst>
+            <pc:docMk/>
+            <pc:sldMk cId="1361800265" sldId="256"/>
+            <ac:grpSpMk id="25" creationId="{B464E11B-C54A-8687-350A-CA1F61A9DD53}"/>
+          </ac:grpSpMkLst>
+        </pc:grpChg>
+        <pc:grpChg chg="mod">
+          <ac:chgData name="Abdala, Laryssa" userId="69fe5191-6b31-47b2-bae9-38956573bebf" providerId="ADAL" clId="{A8F4ACD2-EC1D-4A6B-958F-7DA25D844D17}" dt="2023-11-13T03:56:21.933" v="24" actId="14100"/>
+          <ac:grpSpMkLst>
+            <pc:docMk/>
+            <pc:sldMk cId="1361800265" sldId="256"/>
+            <ac:grpSpMk id="35" creationId="{B17050DE-6B85-F618-BE73-893DE88C241B}"/>
+          </ac:grpSpMkLst>
+        </pc:grpChg>
+      </pc:sldChg>
+    </pc:docChg>
+  </pc:docChgLst>
+</pc:chgInfo>
+</file>
+
 <file path=ppt/slideLayouts/slideLayout1.xml><?xml version="1.0" encoding="utf-8"?>
 <p:sldLayout xmlns:a="http://schemas.openxmlformats.org/drawingml/2006/main" xmlns:r="http://schemas.openxmlformats.org/officeDocument/2006/relationships" xmlns:p="http://schemas.openxmlformats.org/presentationml/2006/main" type="title" preserve="1">
   <p:cSld name="Title Slide">
@@ -259,7 +312,7 @@
           <a:p>
             <a:fld id="{0C789AEB-2763-4C6F-8066-593B777B01EE}" type="datetimeFigureOut">
               <a:rPr lang="en-US" smtClean="0"/>
-              <a:t>9/28/2023</a:t>
+              <a:t>11/12/2023</a:t>
             </a:fld>
             <a:endParaRPr lang="en-US"/>
           </a:p>
@@ -457,7 +510,7 @@
           <a:p>
             <a:fld id="{0C789AEB-2763-4C6F-8066-593B777B01EE}" type="datetimeFigureOut">
               <a:rPr lang="en-US" smtClean="0"/>
-              <a:t>9/28/2023</a:t>
+              <a:t>11/12/2023</a:t>
             </a:fld>
             <a:endParaRPr lang="en-US"/>
           </a:p>
@@ -665,7 +718,7 @@
           <a:p>
             <a:fld id="{0C789AEB-2763-4C6F-8066-593B777B01EE}" type="datetimeFigureOut">
               <a:rPr lang="en-US" smtClean="0"/>
-              <a:t>9/28/2023</a:t>
+              <a:t>11/12/2023</a:t>
             </a:fld>
             <a:endParaRPr lang="en-US"/>
           </a:p>
@@ -863,7 +916,7 @@
           <a:p>
             <a:fld id="{0C789AEB-2763-4C6F-8066-593B777B01EE}" type="datetimeFigureOut">
               <a:rPr lang="en-US" smtClean="0"/>
-              <a:t>9/28/2023</a:t>
+              <a:t>11/12/2023</a:t>
             </a:fld>
             <a:endParaRPr lang="en-US"/>
           </a:p>
@@ -1138,7 +1191,7 @@
           <a:p>
             <a:fld id="{0C789AEB-2763-4C6F-8066-593B777B01EE}" type="datetimeFigureOut">
               <a:rPr lang="en-US" smtClean="0"/>
-              <a:t>9/28/2023</a:t>
+              <a:t>11/12/2023</a:t>
             </a:fld>
             <a:endParaRPr lang="en-US"/>
           </a:p>
@@ -1403,7 +1456,7 @@
           <a:p>
             <a:fld id="{0C789AEB-2763-4C6F-8066-593B777B01EE}" type="datetimeFigureOut">
               <a:rPr lang="en-US" smtClean="0"/>
-              <a:t>9/28/2023</a:t>
+              <a:t>11/12/2023</a:t>
             </a:fld>
             <a:endParaRPr lang="en-US"/>
           </a:p>
@@ -1815,7 +1868,7 @@
           <a:p>
             <a:fld id="{0C789AEB-2763-4C6F-8066-593B777B01EE}" type="datetimeFigureOut">
               <a:rPr lang="en-US" smtClean="0"/>
-              <a:t>9/28/2023</a:t>
+              <a:t>11/12/2023</a:t>
             </a:fld>
             <a:endParaRPr lang="en-US"/>
           </a:p>
@@ -1956,7 +2009,7 @@
           <a:p>
             <a:fld id="{0C789AEB-2763-4C6F-8066-593B777B01EE}" type="datetimeFigureOut">
               <a:rPr lang="en-US" smtClean="0"/>
-              <a:t>9/28/2023</a:t>
+              <a:t>11/12/2023</a:t>
             </a:fld>
             <a:endParaRPr lang="en-US"/>
           </a:p>
@@ -2069,7 +2122,7 @@
           <a:p>
             <a:fld id="{0C789AEB-2763-4C6F-8066-593B777B01EE}" type="datetimeFigureOut">
               <a:rPr lang="en-US" smtClean="0"/>
-              <a:t>9/28/2023</a:t>
+              <a:t>11/12/2023</a:t>
             </a:fld>
             <a:endParaRPr lang="en-US"/>
           </a:p>
@@ -2380,7 +2433,7 @@
           <a:p>
             <a:fld id="{0C789AEB-2763-4C6F-8066-593B777B01EE}" type="datetimeFigureOut">
               <a:rPr lang="en-US" smtClean="0"/>
-              <a:t>9/28/2023</a:t>
+              <a:t>11/12/2023</a:t>
             </a:fld>
             <a:endParaRPr lang="en-US"/>
           </a:p>
@@ -2668,7 +2721,7 @@
           <a:p>
             <a:fld id="{0C789AEB-2763-4C6F-8066-593B777B01EE}" type="datetimeFigureOut">
               <a:rPr lang="en-US" smtClean="0"/>
-              <a:t>9/28/2023</a:t>
+              <a:t>11/12/2023</a:t>
             </a:fld>
             <a:endParaRPr lang="en-US"/>
           </a:p>
@@ -2909,7 +2962,7 @@
           <a:p>
             <a:fld id="{0C789AEB-2763-4C6F-8066-593B777B01EE}" type="datetimeFigureOut">
               <a:rPr lang="en-US" smtClean="0"/>
-              <a:t>9/28/2023</a:t>
+              <a:t>11/12/2023</a:t>
             </a:fld>
             <a:endParaRPr lang="en-US"/>
           </a:p>
@@ -3341,7 +3394,7 @@
         <p:spPr>
           <a:xfrm>
             <a:off x="3502458" y="3695450"/>
-            <a:ext cx="617977" cy="594780"/>
+            <a:ext cx="2087431" cy="523220"/>
           </a:xfrm>
           <a:prstGeom prst="rect">
             <a:avLst/>
@@ -3359,7 +3412,7 @@
                 <a:latin typeface="Times New Roman" panose="02020603050405020304" pitchFamily="18" charset="0"/>
                 <a:cs typeface="Times New Roman" panose="02020603050405020304" pitchFamily="18" charset="0"/>
               </a:rPr>
-              <a:t>P2</a:t>
+              <a:t>P2: quadratic</a:t>
             </a:r>
           </a:p>
         </p:txBody>
@@ -3379,7 +3432,7 @@
         <p:spPr>
           <a:xfrm>
             <a:off x="3591195" y="395828"/>
-            <a:ext cx="564299" cy="537756"/>
+            <a:ext cx="1569660" cy="523220"/>
           </a:xfrm>
           <a:prstGeom prst="rect">
             <a:avLst/>
@@ -3397,7 +3450,7 @@
                 <a:latin typeface="Times New Roman" panose="02020603050405020304" pitchFamily="18" charset="0"/>
                 <a:cs typeface="Times New Roman" panose="02020603050405020304" pitchFamily="18" charset="0"/>
               </a:rPr>
-              <a:t>P1</a:t>
+              <a:t>P1: linear</a:t>
             </a:r>
           </a:p>
         </p:txBody>
@@ -4489,7 +4542,7 @@
         </p:nvGrpSpPr>
         <p:grpSpPr>
           <a:xfrm>
-            <a:off x="7240542" y="4270747"/>
+            <a:off x="7276008" y="872120"/>
             <a:ext cx="1726064" cy="1507308"/>
             <a:chOff x="2301772" y="24487892"/>
             <a:chExt cx="769470" cy="784313"/>
@@ -5108,8 +5161,8 @@
         </p:nvGrpSpPr>
         <p:grpSpPr>
           <a:xfrm>
-            <a:off x="7337420" y="971052"/>
-            <a:ext cx="1564666" cy="1438516"/>
+            <a:off x="7302948" y="4287776"/>
+            <a:ext cx="1882730" cy="1698104"/>
             <a:chOff x="9729490" y="28472539"/>
             <a:chExt cx="1221423" cy="1003077"/>
           </a:xfrm>
